--- a/documents/Design.pptx
+++ b/documents/Design.pptx
@@ -2966,7 +2966,7 @@
       </p:grpSpPr>
       <p:pic>
         <p:nvPicPr>
-          <p:cNvPr id="6" name="Imagen 5"/>
+          <p:cNvPr id="23" name="Imagen 22"/>
           <p:cNvPicPr>
             <a:picLocks noChangeAspect="1"/>
           </p:cNvPicPr>
@@ -2980,8 +2980,8 @@
         </p:blipFill>
         <p:spPr>
           <a:xfrm>
-            <a:off x="321945" y="592047"/>
-            <a:ext cx="11182350" cy="866775"/>
+            <a:off x="376736" y="592047"/>
+            <a:ext cx="11334750" cy="1047750"/>
           </a:xfrm>
           <a:prstGeom prst="rect">
             <a:avLst/>

--- a/documents/Design.pptx
+++ b/documents/Design.pptx
@@ -6,6 +6,7 @@
   </p:sldMasterIdLst>
   <p:sldIdLst>
     <p:sldId id="256" r:id="rId2"/>
+    <p:sldId id="257" r:id="rId3"/>
   </p:sldIdLst>
   <p:sldSz cx="12192000" cy="6858000"/>
   <p:notesSz cx="6858000" cy="9144000"/>
@@ -104,6 +105,11 @@
       </a:defRPr>
     </a:lvl9pPr>
   </p:defaultTextStyle>
+  <p:extLst>
+    <p:ext uri="{EFAFB233-063F-42B5-8137-9DF3F51BA10A}">
+      <p15:sldGuideLst xmlns:p15="http://schemas.microsoft.com/office/powerpoint/2012/main"/>
+    </p:ext>
+  </p:extLst>
 </p:presentation>
 </file>
 
@@ -3175,6 +3181,234 @@
 </p:sld>
 </file>
 
+<file path=ppt/slides/slide2.xml><?xml version="1.0" encoding="utf-8"?>
+<p:sld xmlns:a="http://schemas.openxmlformats.org/drawingml/2006/main" xmlns:r="http://schemas.openxmlformats.org/officeDocument/2006/relationships" xmlns:p="http://schemas.openxmlformats.org/presentationml/2006/main">
+  <p:cSld>
+    <p:spTree>
+      <p:nvGrpSpPr>
+        <p:cNvPr id="1" name=""/>
+        <p:cNvGrpSpPr/>
+        <p:nvPr/>
+      </p:nvGrpSpPr>
+      <p:grpSpPr>
+        <a:xfrm>
+          <a:off x="0" y="0"/>
+          <a:ext cx="0" cy="0"/>
+          <a:chOff x="0" y="0"/>
+          <a:chExt cx="0" cy="0"/>
+        </a:xfrm>
+      </p:grpSpPr>
+      <p:pic>
+        <p:nvPicPr>
+          <p:cNvPr id="23" name="Imagen 22"/>
+          <p:cNvPicPr>
+            <a:picLocks noChangeAspect="1"/>
+          </p:cNvPicPr>
+          <p:nvPr/>
+        </p:nvPicPr>
+        <p:blipFill>
+          <a:blip r:embed="rId2"/>
+          <a:stretch>
+            <a:fillRect/>
+          </a:stretch>
+        </p:blipFill>
+        <p:spPr>
+          <a:xfrm>
+            <a:off x="376736" y="592047"/>
+            <a:ext cx="11334750" cy="1047750"/>
+          </a:xfrm>
+          <a:prstGeom prst="rect">
+            <a:avLst/>
+          </a:prstGeom>
+        </p:spPr>
+      </p:pic>
+      <p:sp>
+        <p:nvSpPr>
+          <p:cNvPr id="21" name="CuadroTexto 20"/>
+          <p:cNvSpPr txBox="1"/>
+          <p:nvPr/>
+        </p:nvSpPr>
+        <p:spPr>
+          <a:xfrm>
+            <a:off x="4493622" y="222715"/>
+            <a:ext cx="1550489" cy="369332"/>
+          </a:xfrm>
+          <a:prstGeom prst="rect">
+            <a:avLst/>
+          </a:prstGeom>
+          <a:noFill/>
+        </p:spPr>
+        <p:txBody>
+          <a:bodyPr wrap="none" rtlCol="0">
+            <a:spAutoFit/>
+          </a:bodyPr>
+          <a:lstStyle/>
+          <a:p>
+            <a:r>
+              <a:rPr lang="es-419" b="1" dirty="0" err="1" smtClean="0">
+                <a:solidFill>
+                  <a:srgbClr val="FF0000"/>
+                </a:solidFill>
+              </a:rPr>
+              <a:t>configurations</a:t>
+            </a:r>
+            <a:endParaRPr lang="es-419" b="1" dirty="0">
+              <a:solidFill>
+                <a:srgbClr val="FF0000"/>
+              </a:solidFill>
+            </a:endParaRPr>
+          </a:p>
+        </p:txBody>
+      </p:sp>
+      <p:sp>
+        <p:nvSpPr>
+          <p:cNvPr id="22" name="CuadroTexto 21"/>
+          <p:cNvSpPr txBox="1"/>
+          <p:nvPr/>
+        </p:nvSpPr>
+        <p:spPr>
+          <a:xfrm>
+            <a:off x="5791455" y="2090586"/>
+            <a:ext cx="1140312" cy="369332"/>
+          </a:xfrm>
+          <a:prstGeom prst="rect">
+            <a:avLst/>
+          </a:prstGeom>
+          <a:noFill/>
+        </p:spPr>
+        <p:txBody>
+          <a:bodyPr wrap="none" rtlCol="0">
+            <a:spAutoFit/>
+          </a:bodyPr>
+          <a:lstStyle/>
+          <a:p>
+            <a:r>
+              <a:rPr lang="es-419" b="1" dirty="0" err="1" smtClean="0">
+                <a:solidFill>
+                  <a:srgbClr val="FF0000"/>
+                </a:solidFill>
+              </a:rPr>
+              <a:t>templates</a:t>
+            </a:r>
+            <a:endParaRPr lang="es-419" b="1" dirty="0">
+              <a:solidFill>
+                <a:srgbClr val="FF0000"/>
+              </a:solidFill>
+            </a:endParaRPr>
+          </a:p>
+        </p:txBody>
+      </p:sp>
+      <p:pic>
+        <p:nvPicPr>
+          <p:cNvPr id="2" name="Imagen 1"/>
+          <p:cNvPicPr>
+            <a:picLocks noChangeAspect="1"/>
+          </p:cNvPicPr>
+          <p:nvPr/>
+        </p:nvPicPr>
+        <p:blipFill>
+          <a:blip r:embed="rId3"/>
+          <a:stretch>
+            <a:fillRect/>
+          </a:stretch>
+        </p:blipFill>
+        <p:spPr>
+          <a:xfrm>
+            <a:off x="5791455" y="2459918"/>
+            <a:ext cx="2777082" cy="1520414"/>
+          </a:xfrm>
+          <a:prstGeom prst="rect">
+            <a:avLst/>
+          </a:prstGeom>
+        </p:spPr>
+      </p:pic>
+      <p:cxnSp>
+        <p:nvCxnSpPr>
+          <p:cNvPr id="9" name="Conector curvado 8"/>
+          <p:cNvCxnSpPr>
+            <a:endCxn id="2" idx="1"/>
+          </p:cNvCxnSpPr>
+          <p:nvPr/>
+        </p:nvCxnSpPr>
+        <p:spPr>
+          <a:xfrm rot="16200000" flipH="1">
+            <a:off x="4292912" y="1721581"/>
+            <a:ext cx="2104203" cy="892884"/>
+          </a:xfrm>
+          <a:prstGeom prst="curvedConnector2">
+            <a:avLst/>
+          </a:prstGeom>
+          <a:ln w="76200">
+            <a:solidFill>
+              <a:srgbClr val="00B050"/>
+            </a:solidFill>
+            <a:tailEnd type="triangle"/>
+          </a:ln>
+        </p:spPr>
+        <p:style>
+          <a:lnRef idx="1">
+            <a:schemeClr val="accent1"/>
+          </a:lnRef>
+          <a:fillRef idx="0">
+            <a:schemeClr val="accent1"/>
+          </a:fillRef>
+          <a:effectRef idx="0">
+            <a:schemeClr val="accent1"/>
+          </a:effectRef>
+          <a:fontRef idx="minor">
+            <a:schemeClr val="tx1"/>
+          </a:fontRef>
+        </p:style>
+      </p:cxnSp>
+      <p:cxnSp>
+        <p:nvCxnSpPr>
+          <p:cNvPr id="13" name="Conector curvado 12"/>
+          <p:cNvCxnSpPr/>
+          <p:nvPr/>
+        </p:nvCxnSpPr>
+        <p:spPr>
+          <a:xfrm rot="16200000" flipH="1">
+            <a:off x="4076144" y="2101685"/>
+            <a:ext cx="2104203" cy="892884"/>
+          </a:xfrm>
+          <a:prstGeom prst="curvedConnector2">
+            <a:avLst/>
+          </a:prstGeom>
+          <a:ln w="76200">
+            <a:solidFill>
+              <a:srgbClr val="FFC000"/>
+            </a:solidFill>
+            <a:tailEnd type="triangle"/>
+          </a:ln>
+        </p:spPr>
+        <p:style>
+          <a:lnRef idx="1">
+            <a:schemeClr val="accent1"/>
+          </a:lnRef>
+          <a:fillRef idx="0">
+            <a:schemeClr val="accent1"/>
+          </a:fillRef>
+          <a:effectRef idx="0">
+            <a:schemeClr val="accent1"/>
+          </a:effectRef>
+          <a:fontRef idx="minor">
+            <a:schemeClr val="tx1"/>
+          </a:fontRef>
+        </p:style>
+      </p:cxnSp>
+    </p:spTree>
+    <p:extLst>
+      <p:ext uri="{BB962C8B-B14F-4D97-AF65-F5344CB8AC3E}">
+        <p14:creationId xmlns:p14="http://schemas.microsoft.com/office/powerpoint/2010/main" val="2303226244"/>
+      </p:ext>
+    </p:extLst>
+  </p:cSld>
+  <p:clrMapOvr>
+    <a:masterClrMapping/>
+  </p:clrMapOvr>
+</p:sld>
+</file>
+
 <file path=ppt/theme/theme1.xml><?xml version="1.0" encoding="utf-8"?>
 <a:theme xmlns:a="http://schemas.openxmlformats.org/drawingml/2006/main" name="Tema de Office">
   <a:themeElements>
